--- a/Fixed Income-26.pptx
+++ b/Fixed Income-26.pptx
@@ -226,7 +226,7 @@
           <a:p>
             <a:fld id="{E1548280-F18E-4769-9169-02F5DF14C56C}" type="datetimeFigureOut">
               <a:rPr lang="en-US" smtClean="0"/>
-              <a:t>3/14/2023</a:t>
+              <a:t>3/17/2023</a:t>
             </a:fld>
             <a:endParaRPr lang="en-US"/>
           </a:p>
@@ -9286,7 +9286,7 @@
           <a:p>
             <a:fld id="{1EAE87C0-8280-45FA-80E7-8D3312DCDAEE}" type="datetimeFigureOut">
               <a:rPr lang="en-US" smtClean="0"/>
-              <a:t>3/14/2023</a:t>
+              <a:t>3/17/2023</a:t>
             </a:fld>
             <a:endParaRPr lang="en-US"/>
           </a:p>
@@ -9493,7 +9493,7 @@
           <a:p>
             <a:fld id="{1EAE87C0-8280-45FA-80E7-8D3312DCDAEE}" type="datetimeFigureOut">
               <a:rPr lang="en-US" smtClean="0"/>
-              <a:t>3/14/2023</a:t>
+              <a:t>3/17/2023</a:t>
             </a:fld>
             <a:endParaRPr lang="en-US"/>
           </a:p>
@@ -9673,7 +9673,7 @@
           <a:p>
             <a:fld id="{1EAE87C0-8280-45FA-80E7-8D3312DCDAEE}" type="datetimeFigureOut">
               <a:rPr lang="en-US" smtClean="0"/>
-              <a:t>3/14/2023</a:t>
+              <a:t>3/17/2023</a:t>
             </a:fld>
             <a:endParaRPr lang="en-US"/>
           </a:p>
@@ -9878,7 +9878,7 @@
           <a:p>
             <a:fld id="{1EAE87C0-8280-45FA-80E7-8D3312DCDAEE}" type="datetimeFigureOut">
               <a:rPr lang="en-US" smtClean="0"/>
-              <a:t>3/14/2023</a:t>
+              <a:t>3/17/2023</a:t>
             </a:fld>
             <a:endParaRPr lang="en-US"/>
           </a:p>
@@ -18776,7 +18776,7 @@
           <a:p>
             <a:fld id="{1EAE87C0-8280-45FA-80E7-8D3312DCDAEE}" type="datetimeFigureOut">
               <a:rPr lang="en-US" smtClean="0"/>
-              <a:t>3/14/2023</a:t>
+              <a:t>3/17/2023</a:t>
             </a:fld>
             <a:endParaRPr lang="en-US"/>
           </a:p>
@@ -19050,7 +19050,7 @@
           <a:p>
             <a:fld id="{1EAE87C0-8280-45FA-80E7-8D3312DCDAEE}" type="datetimeFigureOut">
               <a:rPr lang="en-US" smtClean="0"/>
-              <a:t>3/14/2023</a:t>
+              <a:t>3/17/2023</a:t>
             </a:fld>
             <a:endParaRPr lang="en-US"/>
           </a:p>
@@ -19448,7 +19448,7 @@
           <a:p>
             <a:fld id="{1EAE87C0-8280-45FA-80E7-8D3312DCDAEE}" type="datetimeFigureOut">
               <a:rPr lang="en-US" smtClean="0"/>
-              <a:t>3/14/2023</a:t>
+              <a:t>3/17/2023</a:t>
             </a:fld>
             <a:endParaRPr lang="en-US"/>
           </a:p>
@@ -19566,7 +19566,7 @@
           <a:p>
             <a:fld id="{1EAE87C0-8280-45FA-80E7-8D3312DCDAEE}" type="datetimeFigureOut">
               <a:rPr lang="en-US" smtClean="0"/>
-              <a:t>3/14/2023</a:t>
+              <a:t>3/17/2023</a:t>
             </a:fld>
             <a:endParaRPr lang="en-US"/>
           </a:p>
@@ -19661,7 +19661,7 @@
           <a:p>
             <a:fld id="{1EAE87C0-8280-45FA-80E7-8D3312DCDAEE}" type="datetimeFigureOut">
               <a:rPr lang="en-US" smtClean="0"/>
-              <a:t>3/14/2023</a:t>
+              <a:t>3/17/2023</a:t>
             </a:fld>
             <a:endParaRPr lang="en-US"/>
           </a:p>
@@ -19951,7 +19951,7 @@
           <a:p>
             <a:fld id="{1EAE87C0-8280-45FA-80E7-8D3312DCDAEE}" type="datetimeFigureOut">
               <a:rPr lang="en-US" smtClean="0"/>
-              <a:t>3/14/2023</a:t>
+              <a:t>3/17/2023</a:t>
             </a:fld>
             <a:endParaRPr lang="en-US"/>
           </a:p>
@@ -20231,7 +20231,7 @@
           <a:p>
             <a:fld id="{1EAE87C0-8280-45FA-80E7-8D3312DCDAEE}" type="datetimeFigureOut">
               <a:rPr lang="en-US" smtClean="0"/>
-              <a:t>3/14/2023</a:t>
+              <a:t>3/17/2023</a:t>
             </a:fld>
             <a:endParaRPr lang="en-US"/>
           </a:p>
@@ -20481,7 +20481,7 @@
           <a:p>
             <a:fld id="{1EAE87C0-8280-45FA-80E7-8D3312DCDAEE}" type="datetimeFigureOut">
               <a:rPr lang="en-US" smtClean="0"/>
-              <a:t>3/14/2023</a:t>
+              <a:t>3/17/2023</a:t>
             </a:fld>
             <a:endParaRPr lang="en-US"/>
           </a:p>
@@ -21058,6 +21058,12 @@
               <a:t>Commercial mortgage-backed securities (CMBS) are backed by a pool of commercial mortgages on income-producing property, such as multifamily properties (e.g., apartment buildings), office buildings, industrial properties (including warehouses), shopping centers, hotels, and health care facilities (e.g., senior housing care facilities).</a:t>
             </a:r>
           </a:p>
+          <a:p>
+            <a:r>
+              <a:rPr lang="en-US" sz="2400" dirty="0"/>
+              <a:t>Two key indicators of potential credit performance are the loan-to-value ratio (LTV), which was discussed earlier, and the debt-service-coverage (DSC) ratio, sometimes referred to as DSCR.</a:t>
+            </a:r>
+          </a:p>
         </p:txBody>
       </p:sp>
     </p:spTree>
@@ -21381,180 +21387,91 @@
           </a:p>
         </p:txBody>
       </p:sp>
-      <mc:AlternateContent xmlns:mc="http://schemas.openxmlformats.org/markup-compatibility/2006" xmlns:a14="http://schemas.microsoft.com/office/drawing/2010/main">
-        <mc:Choice Requires="a14">
-          <p:sp>
-            <p:nvSpPr>
-              <p:cNvPr id="3" name="Content Placeholder 2">
-                <a:extLst>
-                  <a:ext uri="{FF2B5EF4-FFF2-40B4-BE49-F238E27FC236}">
-                    <a16:creationId xmlns:a16="http://schemas.microsoft.com/office/drawing/2014/main" id="{086A9221-0817-49EA-929D-1DD0A65B6D42}"/>
-                  </a:ext>
-                </a:extLst>
-              </p:cNvPr>
-              <p:cNvSpPr>
-                <a:spLocks noGrp="1"/>
-              </p:cNvSpPr>
-              <p:nvPr>
-                <p:ph idx="1"/>
-              </p:nvPr>
-            </p:nvSpPr>
-            <p:spPr/>
-            <p:txBody>
-              <a:bodyPr/>
-              <a:lstStyle/>
-              <a:p>
-                <a:r>
-                  <a:rPr lang="en-US" dirty="0"/>
-                  <a:t>LTV ratio</a:t>
-                </a:r>
-              </a:p>
-              <a:p>
-                <a:r>
-                  <a:rPr lang="en-US" dirty="0"/>
-                  <a:t>DSC ratio : </a:t>
-                </a:r>
-                <a14:m>
-                  <m:oMath xmlns:m="http://schemas.openxmlformats.org/officeDocument/2006/math">
-                    <m:f>
-                      <m:fPr>
-                        <m:ctrlPr>
-                          <a:rPr lang="en-US" i="1" smtClean="0">
-                            <a:latin typeface="Cambria Math" panose="02040503050406030204" pitchFamily="18" charset="0"/>
-                          </a:rPr>
-                        </m:ctrlPr>
-                      </m:fPr>
-                      <m:num>
-                        <m:r>
-                          <a:rPr lang="en-US" b="0" i="1" smtClean="0">
-                            <a:latin typeface="Cambria Math" panose="02040503050406030204" pitchFamily="18" charset="0"/>
-                          </a:rPr>
-                          <m:t>𝑁𝑂𝐼</m:t>
-                        </m:r>
-                      </m:num>
-                      <m:den>
-                        <m:r>
-                          <a:rPr lang="en-US" b="0" i="1" smtClean="0">
-                            <a:latin typeface="Cambria Math" panose="02040503050406030204" pitchFamily="18" charset="0"/>
-                          </a:rPr>
-                          <m:t>𝑑𝑒𝑏𝑡</m:t>
-                        </m:r>
-                        <m:r>
-                          <a:rPr lang="en-US" b="0" i="1" smtClean="0">
-                            <a:latin typeface="Cambria Math" panose="02040503050406030204" pitchFamily="18" charset="0"/>
-                          </a:rPr>
-                          <m:t> </m:t>
-                        </m:r>
-                        <m:r>
-                          <a:rPr lang="en-US" b="0" i="1" smtClean="0">
-                            <a:latin typeface="Cambria Math" panose="02040503050406030204" pitchFamily="18" charset="0"/>
-                          </a:rPr>
-                          <m:t>𝑠𝑒𝑟𝑣𝑖𝑐𝑒</m:t>
-                        </m:r>
-                      </m:den>
-                    </m:f>
-                  </m:oMath>
-                </a14:m>
-                <a:endParaRPr lang="en-US" dirty="0"/>
-              </a:p>
-              <a:p>
-                <a:r>
-                  <a:rPr lang="en-US" dirty="0"/>
-                  <a:t>Balloon maturity provision</a:t>
-                </a:r>
-              </a:p>
-              <a:p>
-                <a:r>
-                  <a:rPr lang="en-US" dirty="0"/>
-                  <a:t>Call protection</a:t>
-                </a:r>
-              </a:p>
-              <a:p>
-                <a:pPr>
-                  <a:buFont typeface="Wingdings" panose="05000000000000000000" pitchFamily="2" charset="2"/>
-                  <a:buChar char="Ø"/>
-                </a:pPr>
-                <a:r>
-                  <a:rPr lang="en-US" dirty="0"/>
-                  <a:t>A prepayment lockout</a:t>
-                </a:r>
-              </a:p>
-              <a:p>
-                <a:pPr>
-                  <a:buFont typeface="Wingdings" panose="05000000000000000000" pitchFamily="2" charset="2"/>
-                  <a:buChar char="Ø"/>
-                </a:pPr>
-                <a:r>
-                  <a:rPr lang="en-US" dirty="0"/>
-                  <a:t>Prepayment penalty points</a:t>
-                </a:r>
-              </a:p>
-              <a:p>
-                <a:pPr>
-                  <a:buFont typeface="Wingdings" panose="05000000000000000000" pitchFamily="2" charset="2"/>
-                  <a:buChar char="Ø"/>
-                </a:pPr>
-                <a:r>
-                  <a:rPr lang="en-US" dirty="0"/>
-                  <a:t>A yield maintenance charge(make whole charge)</a:t>
-                </a:r>
-              </a:p>
-              <a:p>
-                <a:pPr>
-                  <a:buFont typeface="Wingdings" panose="05000000000000000000" pitchFamily="2" charset="2"/>
-                  <a:buChar char="Ø"/>
-                </a:pPr>
-                <a:r>
-                  <a:rPr lang="en-US" dirty="0"/>
-                  <a:t>Defeasance</a:t>
-                </a:r>
-              </a:p>
-              <a:p>
-                <a:endParaRPr lang="en-US" dirty="0"/>
-              </a:p>
-            </p:txBody>
-          </p:sp>
-        </mc:Choice>
-        <mc:Fallback xmlns="">
-          <p:sp>
-            <p:nvSpPr>
-              <p:cNvPr id="3" name="Content Placeholder 2">
-                <a:extLst>
-                  <a:ext uri="{FF2B5EF4-FFF2-40B4-BE49-F238E27FC236}">
-                    <a16:creationId xmlns:a16="http://schemas.microsoft.com/office/drawing/2014/main" id="{086A9221-0817-49EA-929D-1DD0A65B6D42}"/>
-                  </a:ext>
-                </a:extLst>
-              </p:cNvPr>
-              <p:cNvSpPr>
-                <a:spLocks noGrp="1" noRot="1" noChangeAspect="1" noMove="1" noResize="1" noEditPoints="1" noAdjustHandles="1" noChangeArrowheads="1" noChangeShapeType="1" noTextEdit="1"/>
-              </p:cNvSpPr>
-              <p:nvPr>
-                <p:ph idx="1"/>
-              </p:nvPr>
-            </p:nvSpPr>
-            <p:spPr>
-              <a:blipFill>
-                <a:blip r:embed="rId2"/>
-                <a:stretch>
-                  <a:fillRect l="-1129" t="-1970"/>
-                </a:stretch>
-              </a:blipFill>
-            </p:spPr>
-            <p:txBody>
-              <a:bodyPr/>
-              <a:lstStyle/>
-              <a:p>
-                <a:r>
-                  <a:rPr lang="en-US">
-                    <a:noFill/>
-                  </a:rPr>
-                  <a:t> </a:t>
-                </a:r>
-              </a:p>
-            </p:txBody>
-          </p:sp>
-        </mc:Fallback>
-      </mc:AlternateContent>
+      <p:sp>
+        <p:nvSpPr>
+          <p:cNvPr id="3" name="Content Placeholder 2">
+            <a:extLst>
+              <a:ext uri="{FF2B5EF4-FFF2-40B4-BE49-F238E27FC236}">
+                <a16:creationId xmlns:a16="http://schemas.microsoft.com/office/drawing/2014/main" id="{086A9221-0817-49EA-929D-1DD0A65B6D42}"/>
+              </a:ext>
+            </a:extLst>
+          </p:cNvPr>
+          <p:cNvSpPr>
+            <a:spLocks noGrp="1"/>
+          </p:cNvSpPr>
+          <p:nvPr>
+            <p:ph idx="1"/>
+          </p:nvPr>
+        </p:nvSpPr>
+        <p:spPr/>
+        <p:txBody>
+          <a:bodyPr>
+            <a:normAutofit/>
+          </a:bodyPr>
+          <a:lstStyle/>
+          <a:p>
+            <a:pPr marL="0" indent="0">
+              <a:buNone/>
+            </a:pPr>
+            <a:r>
+              <a:rPr lang="en-US" dirty="0"/>
+              <a:t>Many commercial loans backing CMBS are balloon loans that require a substantial principal repayment at maturity of the loan.</a:t>
+            </a:r>
+          </a:p>
+          <a:p>
+            <a:pPr marL="0" indent="0">
+              <a:buNone/>
+            </a:pPr>
+            <a:r>
+              <a:rPr lang="en-US" dirty="0"/>
+              <a:t>Call protection</a:t>
+            </a:r>
+          </a:p>
+          <a:p>
+            <a:pPr>
+              <a:buFont typeface="Wingdings" panose="05000000000000000000" pitchFamily="2" charset="2"/>
+              <a:buChar char="Ø"/>
+            </a:pPr>
+            <a:r>
+              <a:rPr lang="en-US" dirty="0"/>
+              <a:t>A prepayment lockout</a:t>
+            </a:r>
+          </a:p>
+          <a:p>
+            <a:pPr>
+              <a:buFont typeface="Wingdings" panose="05000000000000000000" pitchFamily="2" charset="2"/>
+              <a:buChar char="Ø"/>
+            </a:pPr>
+            <a:r>
+              <a:rPr lang="en-US" dirty="0"/>
+              <a:t>Prepayment penalty points</a:t>
+            </a:r>
+          </a:p>
+          <a:p>
+            <a:pPr>
+              <a:buFont typeface="Wingdings" panose="05000000000000000000" pitchFamily="2" charset="2"/>
+              <a:buChar char="Ø"/>
+            </a:pPr>
+            <a:r>
+              <a:rPr lang="en-US" dirty="0"/>
+              <a:t>A yield maintenance charge(make whole charge)</a:t>
+            </a:r>
+          </a:p>
+          <a:p>
+            <a:pPr>
+              <a:buFont typeface="Wingdings" panose="05000000000000000000" pitchFamily="2" charset="2"/>
+              <a:buChar char="Ø"/>
+            </a:pPr>
+            <a:r>
+              <a:rPr lang="en-US" dirty="0"/>
+              <a:t>Defeasance</a:t>
+            </a:r>
+          </a:p>
+          <a:p>
+            <a:endParaRPr lang="en-US" dirty="0"/>
+          </a:p>
+        </p:txBody>
+      </p:sp>
     </p:spTree>
     <p:extLst>
       <p:ext uri="{BB962C8B-B14F-4D97-AF65-F5344CB8AC3E}">
@@ -23019,7 +22936,19 @@
           <a:p>
             <a:r>
               <a:rPr lang="en-US" dirty="0"/>
-              <a:t>As noted earlier, the collateral of credit card receivable ABS is a pool of non amortizing loans. These loans have lockout periods during which the cash flows that are paid out to security holders are based only on finance charges collected and fees. </a:t>
+              <a:t>As noted earlier, the collateral of credit card receivable ABS is a pool of non amortizing loans. These loans have </a:t>
+            </a:r>
+            <a:r>
+              <a:rPr lang="en-US" dirty="0">
+                <a:solidFill>
+                  <a:srgbClr val="FF0000"/>
+                </a:solidFill>
+              </a:rPr>
+              <a:t>lockout periods </a:t>
+            </a:r>
+            <a:r>
+              <a:rPr lang="en-US" dirty="0"/>
+              <a:t>during which the cash flows that are paid out to security holders are based only on finance charges collected and fees. </a:t>
             </a:r>
           </a:p>
           <a:p>
